--- a/6、第六次课/4、文件归档.pptx
+++ b/6、第六次课/4、文件归档.pptx
@@ -116,6 +116,11 @@
       </a:defRPr>
     </a:lvl9pPr>
   </p:defaultTextStyle>
+  <p:extLst>
+    <p:ext uri="{EFAFB233-063F-42B5-8137-9DF3F51BA10A}">
+      <p15:sldGuideLst xmlns:p15="http://schemas.microsoft.com/office/powerpoint/2012/main"/>
+    </p:ext>
+  </p:extLst>
 </p:presentation>
 </file>
 
@@ -266,7 +271,7 @@
           <a:p>
             <a:fld id="{AF94D2AA-D1E2-481D-97F2-95AEFC20A29E}" type="datetimeFigureOut">
               <a:rPr lang="zh-CN" altLang="en-US" smtClean="0"/>
-              <a:t>2019/5/11</a:t>
+              <a:t>2019/5/19</a:t>
             </a:fld>
             <a:endParaRPr lang="zh-CN" altLang="en-US"/>
           </a:p>
@@ -464,7 +469,7 @@
           <a:p>
             <a:fld id="{AF94D2AA-D1E2-481D-97F2-95AEFC20A29E}" type="datetimeFigureOut">
               <a:rPr lang="zh-CN" altLang="en-US" smtClean="0"/>
-              <a:t>2019/5/11</a:t>
+              <a:t>2019/5/19</a:t>
             </a:fld>
             <a:endParaRPr lang="zh-CN" altLang="en-US"/>
           </a:p>
@@ -672,7 +677,7 @@
           <a:p>
             <a:fld id="{AF94D2AA-D1E2-481D-97F2-95AEFC20A29E}" type="datetimeFigureOut">
               <a:rPr lang="zh-CN" altLang="en-US" smtClean="0"/>
-              <a:t>2019/5/11</a:t>
+              <a:t>2019/5/19</a:t>
             </a:fld>
             <a:endParaRPr lang="zh-CN" altLang="en-US"/>
           </a:p>
@@ -870,7 +875,7 @@
           <a:p>
             <a:fld id="{AF94D2AA-D1E2-481D-97F2-95AEFC20A29E}" type="datetimeFigureOut">
               <a:rPr lang="zh-CN" altLang="en-US" smtClean="0"/>
-              <a:t>2019/5/11</a:t>
+              <a:t>2019/5/19</a:t>
             </a:fld>
             <a:endParaRPr lang="zh-CN" altLang="en-US"/>
           </a:p>
@@ -1145,7 +1150,7 @@
           <a:p>
             <a:fld id="{AF94D2AA-D1E2-481D-97F2-95AEFC20A29E}" type="datetimeFigureOut">
               <a:rPr lang="zh-CN" altLang="en-US" smtClean="0"/>
-              <a:t>2019/5/11</a:t>
+              <a:t>2019/5/19</a:t>
             </a:fld>
             <a:endParaRPr lang="zh-CN" altLang="en-US"/>
           </a:p>
@@ -1410,7 +1415,7 @@
           <a:p>
             <a:fld id="{AF94D2AA-D1E2-481D-97F2-95AEFC20A29E}" type="datetimeFigureOut">
               <a:rPr lang="zh-CN" altLang="en-US" smtClean="0"/>
-              <a:t>2019/5/11</a:t>
+              <a:t>2019/5/19</a:t>
             </a:fld>
             <a:endParaRPr lang="zh-CN" altLang="en-US"/>
           </a:p>
@@ -1822,7 +1827,7 @@
           <a:p>
             <a:fld id="{AF94D2AA-D1E2-481D-97F2-95AEFC20A29E}" type="datetimeFigureOut">
               <a:rPr lang="zh-CN" altLang="en-US" smtClean="0"/>
-              <a:t>2019/5/11</a:t>
+              <a:t>2019/5/19</a:t>
             </a:fld>
             <a:endParaRPr lang="zh-CN" altLang="en-US"/>
           </a:p>
@@ -1963,7 +1968,7 @@
           <a:p>
             <a:fld id="{AF94D2AA-D1E2-481D-97F2-95AEFC20A29E}" type="datetimeFigureOut">
               <a:rPr lang="zh-CN" altLang="en-US" smtClean="0"/>
-              <a:t>2019/5/11</a:t>
+              <a:t>2019/5/19</a:t>
             </a:fld>
             <a:endParaRPr lang="zh-CN" altLang="en-US"/>
           </a:p>
@@ -2076,7 +2081,7 @@
           <a:p>
             <a:fld id="{AF94D2AA-D1E2-481D-97F2-95AEFC20A29E}" type="datetimeFigureOut">
               <a:rPr lang="zh-CN" altLang="en-US" smtClean="0"/>
-              <a:t>2019/5/11</a:t>
+              <a:t>2019/5/19</a:t>
             </a:fld>
             <a:endParaRPr lang="zh-CN" altLang="en-US"/>
           </a:p>
@@ -2387,7 +2392,7 @@
           <a:p>
             <a:fld id="{AF94D2AA-D1E2-481D-97F2-95AEFC20A29E}" type="datetimeFigureOut">
               <a:rPr lang="zh-CN" altLang="en-US" smtClean="0"/>
-              <a:t>2019/5/11</a:t>
+              <a:t>2019/5/19</a:t>
             </a:fld>
             <a:endParaRPr lang="zh-CN" altLang="en-US"/>
           </a:p>
@@ -2675,7 +2680,7 @@
           <a:p>
             <a:fld id="{AF94D2AA-D1E2-481D-97F2-95AEFC20A29E}" type="datetimeFigureOut">
               <a:rPr lang="zh-CN" altLang="en-US" smtClean="0"/>
-              <a:t>2019/5/11</a:t>
+              <a:t>2019/5/19</a:t>
             </a:fld>
             <a:endParaRPr lang="zh-CN" altLang="en-US"/>
           </a:p>
@@ -2916,7 +2921,7 @@
           <a:p>
             <a:fld id="{AF94D2AA-D1E2-481D-97F2-95AEFC20A29E}" type="datetimeFigureOut">
               <a:rPr lang="zh-CN" altLang="en-US" smtClean="0"/>
-              <a:t>2019/5/11</a:t>
+              <a:t>2019/5/19</a:t>
             </a:fld>
             <a:endParaRPr lang="zh-CN" altLang="en-US"/>
           </a:p>
@@ -3382,7 +3387,7 @@
           <a:bodyPr/>
           <a:lstStyle/>
           <a:p>
-            <a:endParaRPr lang="zh-CN" altLang="en-US"/>
+            <a:endParaRPr lang="zh-CN" altLang="en-US" dirty="0"/>
           </a:p>
         </p:txBody>
       </p:sp>
@@ -3537,7 +3542,15 @@
             </a:pPr>
             <a:r>
               <a:rPr lang="en-US" altLang="zh-CN" dirty="0"/>
-              <a:t>[root@yujmo-pc ~]# tar -zcvf bak.tar.gz etc/</a:t>
+              <a:t>[root@yujmo-pc ~]# tar -</a:t>
+            </a:r>
+            <a:r>
+              <a:rPr lang="en-US" altLang="zh-CN" dirty="0" err="1"/>
+              <a:t>zcvf</a:t>
+            </a:r>
+            <a:r>
+              <a:rPr lang="en-US" altLang="zh-CN" dirty="0"/>
+              <a:t> bak.tar.gz etc/</a:t>
             </a:r>
           </a:p>
           <a:p>
@@ -3546,7 +3559,15 @@
             </a:pPr>
             <a:r>
               <a:rPr lang="en-US" altLang="zh-CN" dirty="0"/>
-              <a:t>[root@yujmo-pc ~]# tar -zxvf bak.tar.gz</a:t>
+              <a:t>[root@yujmo-pc ~]# tar -</a:t>
+            </a:r>
+            <a:r>
+              <a:rPr lang="en-US" altLang="zh-CN" dirty="0" err="1"/>
+              <a:t>zxvf</a:t>
+            </a:r>
+            <a:r>
+              <a:rPr lang="en-US" altLang="zh-CN" dirty="0"/>
+              <a:t> bak.tar.gz</a:t>
             </a:r>
           </a:p>
           <a:p>
@@ -4094,7 +4115,7 @@
                 <a:latin typeface="Times New Roman" panose="02020603050405020304" pitchFamily="18" charset="0"/>
                 <a:ea typeface="宋体" panose="02010600030101010101" pitchFamily="2" charset="-122"/>
               </a:rPr>
-              <a:t>[root@yujmo-pc ~]# bzip2 -k test.tar         #</a:t>
+              <a:t>[root@yujmo-pc ~]# bzip2  test.tar         #</a:t>
             </a:r>
             <a:r>
               <a:rPr lang="zh-CN" altLang="en-US" sz="1800" dirty="0">
@@ -4163,7 +4184,21 @@
                 <a:latin typeface="Times New Roman" panose="02020603050405020304" pitchFamily="18" charset="0"/>
                 <a:ea typeface="宋体" panose="02010600030101010101" pitchFamily="2" charset="-122"/>
               </a:rPr>
-              <a:t>[root@yujmo-pc ~]# gzip -k test.tar           #</a:t>
+              <a:t>[root@yujmo-pc ~]# </a:t>
+            </a:r>
+            <a:r>
+              <a:rPr lang="en-US" altLang="zh-CN" sz="1800" dirty="0" err="1">
+                <a:latin typeface="Times New Roman" panose="02020603050405020304" pitchFamily="18" charset="0"/>
+                <a:ea typeface="宋体" panose="02010600030101010101" pitchFamily="2" charset="-122"/>
+              </a:rPr>
+              <a:t>gzip</a:t>
+            </a:r>
+            <a:r>
+              <a:rPr lang="en-US" altLang="zh-CN" sz="1800" dirty="0">
+                <a:latin typeface="Times New Roman" panose="02020603050405020304" pitchFamily="18" charset="0"/>
+                <a:ea typeface="宋体" panose="02010600030101010101" pitchFamily="2" charset="-122"/>
+              </a:rPr>
+              <a:t>  test.tar           #</a:t>
             </a:r>
             <a:r>
               <a:rPr lang="zh-CN" altLang="en-US" sz="1800" dirty="0">
@@ -4235,7 +4270,21 @@
                 <a:latin typeface="Times New Roman" panose="02020603050405020304" pitchFamily="18" charset="0"/>
                 <a:ea typeface="宋体" panose="02010600030101010101" pitchFamily="2" charset="-122"/>
               </a:rPr>
-              <a:t>[root@yujmo-pc ~]# xz -k test.tar              #</a:t>
+              <a:t>[root@yujmo-pc ~]# </a:t>
+            </a:r>
+            <a:r>
+              <a:rPr lang="en-US" altLang="zh-CN" sz="1800" dirty="0" err="1">
+                <a:latin typeface="Times New Roman" panose="02020603050405020304" pitchFamily="18" charset="0"/>
+                <a:ea typeface="宋体" panose="02010600030101010101" pitchFamily="2" charset="-122"/>
+              </a:rPr>
+              <a:t>xz</a:t>
+            </a:r>
+            <a:r>
+              <a:rPr lang="en-US" altLang="zh-CN" sz="1800" dirty="0">
+                <a:latin typeface="Times New Roman" panose="02020603050405020304" pitchFamily="18" charset="0"/>
+                <a:ea typeface="宋体" panose="02010600030101010101" pitchFamily="2" charset="-122"/>
+              </a:rPr>
+              <a:t>  test.tar              #</a:t>
             </a:r>
             <a:r>
               <a:rPr lang="zh-CN" altLang="en-US" sz="1800" dirty="0">
@@ -4897,7 +4946,7 @@
                 <a:latin typeface="Times New Roman" panose="02020603050405020304" pitchFamily="18" charset="0"/>
                 <a:ea typeface="宋体" panose="02010600030101010101" pitchFamily="2" charset="-122"/>
               </a:rPr>
-              <a:t>  指定拆开打包文件至指定位置 </a:t>
+              <a:t>  拆开打包文件至指定位置 </a:t>
             </a:r>
             <a:endParaRPr lang="en-US" altLang="zh-CN" sz="1800" dirty="0">
               <a:latin typeface="Times New Roman" panose="02020603050405020304" pitchFamily="18" charset="0"/>
